--- a/lesson03.pptx
+++ b/lesson03.pptx
@@ -5,7 +5,7 @@
     <p:sldMasterId id="2147483648" r:id="rId1"/>
   </p:sldMasterIdLst>
   <p:notesMasterIdLst>
-    <p:notesMasterId r:id="rId42"/>
+    <p:notesMasterId r:id="rId40"/>
   </p:notesMasterIdLst>
   <p:sldIdLst>
     <p:sldId id="496" r:id="rId2"/>
@@ -41,13 +41,11 @@
     <p:sldId id="425" r:id="rId32"/>
     <p:sldId id="408" r:id="rId33"/>
     <p:sldId id="422" r:id="rId34"/>
-    <p:sldId id="521" r:id="rId35"/>
-    <p:sldId id="526" r:id="rId36"/>
-    <p:sldId id="449" r:id="rId37"/>
-    <p:sldId id="559" r:id="rId38"/>
-    <p:sldId id="525" r:id="rId39"/>
-    <p:sldId id="527" r:id="rId40"/>
-    <p:sldId id="444" r:id="rId41"/>
+    <p:sldId id="449" r:id="rId35"/>
+    <p:sldId id="559" r:id="rId36"/>
+    <p:sldId id="525" r:id="rId37"/>
+    <p:sldId id="527" r:id="rId38"/>
+    <p:sldId id="444" r:id="rId39"/>
   </p:sldIdLst>
   <p:sldSz cx="12192000" cy="6858000"/>
   <p:notesSz cx="6858000" cy="9144000"/>
@@ -165,16 +163,31 @@
 </p:presentation>
 </file>
 
-<file path=ppt/revisionInfo.xml><?xml version="1.0" encoding="utf-8"?>
-<p1510:revInfo xmlns:a="http://schemas.openxmlformats.org/drawingml/2006/main" xmlns:r="http://schemas.openxmlformats.org/officeDocument/2006/relationships" xmlns:p1510="http://schemas.microsoft.com/office/powerpoint/2015/10/main">
-  <p1510:revLst>
-    <p1510:client id="{4D706A2C-F85E-42B1-8ADD-5537800B2C38}" v="15" dt="2022-01-24T07:44:06.752"/>
-  </p1510:revLst>
-</p1510:revInfo>
-</file>
-
 <file path=ppt/changesInfos/changesInfo1.xml><?xml version="1.0" encoding="utf-8"?>
 <pc:chgInfo xmlns:a="http://schemas.openxmlformats.org/drawingml/2006/main" xmlns:r="http://schemas.openxmlformats.org/officeDocument/2006/relationships" xmlns:ac="http://schemas.microsoft.com/office/drawing/2013/main/command" xmlns:pc="http://schemas.microsoft.com/office/powerpoint/2013/main/command">
+  <pc:docChgLst>
+    <pc:chgData name="Anatoliy Kigel" userId="7432c6c4687b0a9c" providerId="LiveId" clId="{5F6F310A-8699-4764-BA34-3FAD038BC599}"/>
+    <pc:docChg chg="delSld">
+      <pc:chgData name="Anatoliy Kigel" userId="7432c6c4687b0a9c" providerId="LiveId" clId="{5F6F310A-8699-4764-BA34-3FAD038BC599}" dt="2022-06-03T06:24:42.330" v="0" actId="47"/>
+      <pc:docMkLst>
+        <pc:docMk/>
+      </pc:docMkLst>
+      <pc:sldChg chg="del">
+        <pc:chgData name="Anatoliy Kigel" userId="7432c6c4687b0a9c" providerId="LiveId" clId="{5F6F310A-8699-4764-BA34-3FAD038BC599}" dt="2022-06-03T06:24:42.330" v="0" actId="47"/>
+        <pc:sldMkLst>
+          <pc:docMk/>
+          <pc:sldMk cId="1158722151" sldId="521"/>
+        </pc:sldMkLst>
+      </pc:sldChg>
+      <pc:sldChg chg="del">
+        <pc:chgData name="Anatoliy Kigel" userId="7432c6c4687b0a9c" providerId="LiveId" clId="{5F6F310A-8699-4764-BA34-3FAD038BC599}" dt="2022-06-03T06:24:42.330" v="0" actId="47"/>
+        <pc:sldMkLst>
+          <pc:docMk/>
+          <pc:sldMk cId="747592639" sldId="526"/>
+        </pc:sldMkLst>
+      </pc:sldChg>
+    </pc:docChg>
+  </pc:docChgLst>
   <pc:docChgLst>
     <pc:chgData name="Anatoliy Kigel" userId="7432c6c4687b0a9c" providerId="LiveId" clId="{10D481EC-89B5-4893-9203-A2DBFE33F9CF}"/>
     <pc:docChg chg="modSld">
@@ -1882,7 +1895,7 @@
             <a:fld id="{85522811-C5C6-42D2-A409-F8556720C93F}" type="datetimeFigureOut">
               <a:rPr lang="uk-UA" smtClean="0"/>
               <a:pPr/>
-              <a:t>29.01.2022</a:t>
+              <a:t>03.06.2022</a:t>
             </a:fld>
             <a:endParaRPr lang="uk-UA"/>
           </a:p>
@@ -2422,7 +2435,7 @@
             <a:fld id="{E6FC6B0D-6115-4D7C-8040-9C8E2349BB6E}" type="datetime1">
               <a:rPr lang="uk-UA" smtClean="0"/>
               <a:pPr/>
-              <a:t>29.01.2022</a:t>
+              <a:t>03.06.2022</a:t>
             </a:fld>
             <a:endParaRPr lang="uk-UA"/>
           </a:p>
@@ -2589,7 +2602,7 @@
             <a:fld id="{996367BA-0A39-4DE2-BFC3-D5290044365E}" type="datetime1">
               <a:rPr lang="uk-UA" smtClean="0"/>
               <a:pPr/>
-              <a:t>29.01.2022</a:t>
+              <a:t>03.06.2022</a:t>
             </a:fld>
             <a:endParaRPr lang="uk-UA"/>
           </a:p>
@@ -2766,7 +2779,7 @@
             <a:fld id="{1BD6A67F-6C29-47DC-AF8A-FDB3C787DF70}" type="datetime1">
               <a:rPr lang="uk-UA" smtClean="0"/>
               <a:pPr/>
-              <a:t>29.01.2022</a:t>
+              <a:t>03.06.2022</a:t>
             </a:fld>
             <a:endParaRPr lang="uk-UA"/>
           </a:p>
@@ -2933,7 +2946,7 @@
             <a:fld id="{1657D9C5-7FF1-434F-B56E-9BAD559744E9}" type="datetime1">
               <a:rPr lang="uk-UA" smtClean="0"/>
               <a:pPr/>
-              <a:t>29.01.2022</a:t>
+              <a:t>03.06.2022</a:t>
             </a:fld>
             <a:endParaRPr lang="uk-UA"/>
           </a:p>
@@ -3176,7 +3189,7 @@
             <a:fld id="{2CEB0FC9-DE63-476B-A1A9-BE934D9049F8}" type="datetime1">
               <a:rPr lang="uk-UA" smtClean="0"/>
               <a:pPr/>
-              <a:t>29.01.2022</a:t>
+              <a:t>03.06.2022</a:t>
             </a:fld>
             <a:endParaRPr lang="uk-UA"/>
           </a:p>
@@ -3461,7 +3474,7 @@
             <a:fld id="{F964460F-86E2-4DF6-9D0F-12F5005CF375}" type="datetime1">
               <a:rPr lang="uk-UA" smtClean="0"/>
               <a:pPr/>
-              <a:t>29.01.2022</a:t>
+              <a:t>03.06.2022</a:t>
             </a:fld>
             <a:endParaRPr lang="uk-UA"/>
           </a:p>
@@ -3880,7 +3893,7 @@
             <a:fld id="{C521715E-DDCD-4267-B0A5-2918B6F6768A}" type="datetime1">
               <a:rPr lang="uk-UA" smtClean="0"/>
               <a:pPr/>
-              <a:t>29.01.2022</a:t>
+              <a:t>03.06.2022</a:t>
             </a:fld>
             <a:endParaRPr lang="uk-UA"/>
           </a:p>
@@ -3995,7 +4008,7 @@
             <a:fld id="{9289842C-EB2D-4EBB-A272-2F6A49D9794D}" type="datetime1">
               <a:rPr lang="uk-UA" smtClean="0"/>
               <a:pPr/>
-              <a:t>29.01.2022</a:t>
+              <a:t>03.06.2022</a:t>
             </a:fld>
             <a:endParaRPr lang="uk-UA"/>
           </a:p>
@@ -4087,7 +4100,7 @@
             <a:fld id="{D036F091-B700-4B52-99AC-85D0FD94D904}" type="datetime1">
               <a:rPr lang="uk-UA" smtClean="0"/>
               <a:pPr/>
-              <a:t>29.01.2022</a:t>
+              <a:t>03.06.2022</a:t>
             </a:fld>
             <a:endParaRPr lang="uk-UA"/>
           </a:p>
@@ -4361,7 +4374,7 @@
             <a:fld id="{B35DFABA-3811-4634-B803-2EAC4CD0063B}" type="datetime1">
               <a:rPr lang="uk-UA" smtClean="0"/>
               <a:pPr/>
-              <a:t>29.01.2022</a:t>
+              <a:t>03.06.2022</a:t>
             </a:fld>
             <a:endParaRPr lang="uk-UA"/>
           </a:p>
@@ -4611,7 +4624,7 @@
             <a:fld id="{8A9EA25E-F88E-463A-A119-D1E55A881002}" type="datetime1">
               <a:rPr lang="uk-UA" smtClean="0"/>
               <a:pPr/>
-              <a:t>29.01.2022</a:t>
+              <a:t>03.06.2022</a:t>
             </a:fld>
             <a:endParaRPr lang="uk-UA"/>
           </a:p>
@@ -4821,7 +4834,7 @@
             <a:fld id="{E708ED03-0080-49A2-B709-7DA4ACB3A1C3}" type="datetime1">
               <a:rPr lang="uk-UA" smtClean="0"/>
               <a:pPr/>
-              <a:t>29.01.2022</a:t>
+              <a:t>03.06.2022</a:t>
             </a:fld>
             <a:endParaRPr lang="uk-UA"/>
           </a:p>
@@ -11836,7 +11849,7 @@
             <a:pPr algn="ctr"/>
             <a:r>
               <a:rPr lang="ru-RU" sz="6000" b="1" dirty="0"/>
-              <a:t>Будет полезным</a:t>
+              <a:t>На следующем занятии</a:t>
             </a:r>
             <a:endParaRPr lang="uk-UA" sz="6000" b="1" dirty="0"/>
           </a:p>
@@ -11845,7 +11858,7 @@
     </p:spTree>
     <p:extLst>
       <p:ext uri="{BB962C8B-B14F-4D97-AF65-F5344CB8AC3E}">
-        <p14:creationId xmlns:p14="http://schemas.microsoft.com/office/powerpoint/2010/main" val="1158722151"/>
+        <p14:creationId xmlns:p14="http://schemas.microsoft.com/office/powerpoint/2010/main" val="4058259034"/>
       </p:ext>
     </p:extLst>
   </p:cSld>
@@ -11874,115 +11887,107 @@
       </p:grpSpPr>
       <p:sp>
         <p:nvSpPr>
-          <p:cNvPr id="5" name="Прямоугольник 4"/>
-          <p:cNvSpPr/>
+          <p:cNvPr id="3" name="TextBox 2"/>
+          <p:cNvSpPr txBox="1"/>
           <p:nvPr/>
         </p:nvSpPr>
         <p:spPr>
           <a:xfrm>
-            <a:off x="0" y="5847655"/>
-            <a:ext cx="12192000" cy="461665"/>
-          </a:xfrm>
-          <a:prstGeom prst="rect">
-            <a:avLst/>
-          </a:prstGeom>
-        </p:spPr>
-        <p:txBody>
-          <a:bodyPr wrap="square">
-            <a:spAutoFit/>
-          </a:bodyPr>
-          <a:lstStyle/>
-          <a:p>
-            <a:pPr algn="ctr"/>
-            <a:r>
-              <a:rPr lang="en-US" sz="2400" b="1" dirty="0">
-                <a:hlinkClick r:id="rId2"/>
-              </a:rPr>
-              <a:t>https://habr.com/ru/company/vk/blog/438286/</a:t>
-            </a:r>
-            <a:endParaRPr lang="ru-RU" dirty="0"/>
-          </a:p>
-        </p:txBody>
-      </p:sp>
-      <p:pic>
-        <p:nvPicPr>
-          <p:cNvPr id="1026" name="Picture 2" descr="https://habrastorage.org/getpro/habr/post_images/540/5d5/588/5405d55887909032bc8016afe3f65796.jpg"/>
-          <p:cNvPicPr>
-            <a:picLocks noChangeAspect="1" noChangeArrowheads="1"/>
-          </p:cNvPicPr>
-          <p:nvPr/>
-        </p:nvPicPr>
-        <p:blipFill>
-          <a:blip r:embed="rId3">
-            <a:extLst>
-              <a:ext uri="{28A0092B-C50C-407E-A947-70E740481C1C}">
-                <a14:useLocalDpi xmlns:a14="http://schemas.microsoft.com/office/drawing/2010/main" val="0"/>
-              </a:ext>
-            </a:extLst>
-          </a:blip>
-          <a:srcRect/>
-          <a:stretch>
-            <a:fillRect/>
-          </a:stretch>
-        </p:blipFill>
-        <p:spPr bwMode="auto">
-          <a:xfrm>
-            <a:off x="2696271" y="1502247"/>
-            <a:ext cx="6799457" cy="4159001"/>
+            <a:off x="-1" y="2924944"/>
+            <a:ext cx="12192001" cy="1754326"/>
           </a:xfrm>
           <a:prstGeom prst="rect">
             <a:avLst/>
           </a:prstGeom>
           <a:noFill/>
-          <a:extLst>
-            <a:ext uri="{909E8E84-426E-40DD-AFC4-6F175D3DCCD1}">
-              <a14:hiddenFill xmlns:a14="http://schemas.microsoft.com/office/drawing/2010/main">
+        </p:spPr>
+        <p:txBody>
+          <a:bodyPr wrap="square" rtlCol="0">
+            <a:spAutoFit/>
+          </a:bodyPr>
+          <a:lstStyle/>
+          <a:p>
+            <a:pPr algn="ctr"/>
+            <a:r>
+              <a:rPr lang="ru-RU" sz="5400" b="1" dirty="0"/>
+              <a:t>Работа с </a:t>
+            </a:r>
+            <a:r>
+              <a:rPr lang="en-US" sz="5400" b="1" dirty="0">
                 <a:solidFill>
-                  <a:srgbClr val="FFFFFF"/>
+                  <a:srgbClr val="00B050"/>
                 </a:solidFill>
-              </a14:hiddenFill>
-            </a:ext>
-          </a:extLst>
-        </p:spPr>
-      </p:pic>
-      <p:sp>
-        <p:nvSpPr>
-          <p:cNvPr id="3" name="Прямоугольник 2"/>
-          <p:cNvSpPr/>
+              </a:rPr>
+              <a:t>DOM</a:t>
+            </a:r>
+            <a:r>
+              <a:rPr lang="en-US" sz="5400" b="1" dirty="0"/>
+              <a:t> </a:t>
+            </a:r>
+            <a:endParaRPr lang="ru-RU" sz="5400" b="1" dirty="0"/>
+          </a:p>
+          <a:p>
+            <a:pPr algn="ctr"/>
+            <a:r>
+              <a:rPr lang="en-US" sz="5400" dirty="0"/>
+              <a:t>(</a:t>
+            </a:r>
+            <a:r>
+              <a:rPr lang="ru-RU" sz="5400" b="1" dirty="0">
+                <a:solidFill>
+                  <a:schemeClr val="accent6">
+                    <a:lumMod val="75000"/>
+                  </a:schemeClr>
+                </a:solidFill>
+              </a:rPr>
+              <a:t>работа с разметкой документа</a:t>
+            </a:r>
+            <a:r>
+              <a:rPr lang="en-US" sz="5400" dirty="0"/>
+              <a:t>)</a:t>
+            </a:r>
+            <a:endParaRPr lang="ru-RU" sz="5400" b="1" dirty="0">
+              <a:solidFill>
+                <a:srgbClr val="00B050"/>
+              </a:solidFill>
+            </a:endParaRPr>
+          </a:p>
+        </p:txBody>
+      </p:sp>
+      <p:sp>
+        <p:nvSpPr>
+          <p:cNvPr id="5" name="TextBox 4"/>
+          <p:cNvSpPr txBox="1"/>
           <p:nvPr/>
         </p:nvSpPr>
         <p:spPr>
           <a:xfrm>
-            <a:off x="0" y="467961"/>
-            <a:ext cx="12192000" cy="707886"/>
+            <a:off x="-1" y="1052736"/>
+            <a:ext cx="12192001" cy="769441"/>
           </a:xfrm>
           <a:prstGeom prst="rect">
             <a:avLst/>
           </a:prstGeom>
-        </p:spPr>
-        <p:txBody>
-          <a:bodyPr wrap="square">
+          <a:noFill/>
+        </p:spPr>
+        <p:txBody>
+          <a:bodyPr wrap="square" rtlCol="0">
             <a:spAutoFit/>
           </a:bodyPr>
           <a:lstStyle/>
           <a:p>
             <a:pPr algn="ctr"/>
             <a:r>
-              <a:rPr lang="ru-RU" sz="4000" b="1" dirty="0"/>
-              <a:t>Работа с часовыми поясами в </a:t>
-            </a:r>
-            <a:r>
-              <a:rPr lang="ru-RU" sz="4000" b="1" dirty="0" err="1"/>
-              <a:t>JavaScript</a:t>
-            </a:r>
-            <a:endParaRPr lang="ru-RU" sz="4000" b="1" dirty="0"/>
+              <a:rPr lang="ru-RU" sz="4400" b="1" dirty="0"/>
+              <a:t>На следующем занятии</a:t>
+            </a:r>
           </a:p>
         </p:txBody>
       </p:sp>
     </p:spTree>
     <p:extLst>
       <p:ext uri="{BB962C8B-B14F-4D97-AF65-F5344CB8AC3E}">
-        <p14:creationId xmlns:p14="http://schemas.microsoft.com/office/powerpoint/2010/main" val="747592639"/>
+        <p14:creationId xmlns:p14="http://schemas.microsoft.com/office/powerpoint/2010/main" val="1460045381"/>
       </p:ext>
     </p:extLst>
   </p:cSld>
@@ -12049,8 +12054,19 @@
           <a:p>
             <a:pPr algn="ctr"/>
             <a:r>
+              <a:rPr lang="ru-RU" sz="6000" b="1" dirty="0">
+                <a:solidFill>
+                  <a:srgbClr val="FFC000"/>
+                </a:solidFill>
+              </a:rPr>
+              <a:t>Домашнее задание </a:t>
+            </a:r>
+          </a:p>
+          <a:p>
+            <a:pPr algn="ctr"/>
+            <a:r>
               <a:rPr lang="ru-RU" sz="6000" b="1" dirty="0"/>
-              <a:t>На следующем занятии</a:t>
+              <a:t>/сделать</a:t>
             </a:r>
             <a:endParaRPr lang="uk-UA" sz="6000" b="1" dirty="0"/>
           </a:p>
@@ -12059,7 +12075,7 @@
     </p:spTree>
     <p:extLst>
       <p:ext uri="{BB962C8B-B14F-4D97-AF65-F5344CB8AC3E}">
-        <p14:creationId xmlns:p14="http://schemas.microsoft.com/office/powerpoint/2010/main" val="4058259034"/>
+        <p14:creationId xmlns:p14="http://schemas.microsoft.com/office/powerpoint/2010/main" val="812048618"/>
       </p:ext>
     </p:extLst>
   </p:cSld>
@@ -12088,14 +12104,84 @@
       </p:grpSpPr>
       <p:sp>
         <p:nvSpPr>
-          <p:cNvPr id="3" name="TextBox 2"/>
+          <p:cNvPr id="20" name="Номер слайда 36"/>
+          <p:cNvSpPr txBox="1">
+            <a:spLocks/>
+          </p:cNvSpPr>
+          <p:nvPr/>
+        </p:nvSpPr>
+        <p:spPr>
+          <a:xfrm>
+            <a:off x="11172564" y="6164170"/>
+            <a:ext cx="648072" cy="432048"/>
+          </a:xfrm>
+          <a:prstGeom prst="roundRect">
+            <a:avLst/>
+          </a:prstGeom>
+          <a:ln w="25400" cap="flat" cmpd="sng" algn="ctr">
+            <a:solidFill>
+              <a:schemeClr val="tx2">
+                <a:lumMod val="60000"/>
+                <a:lumOff val="40000"/>
+              </a:schemeClr>
+            </a:solidFill>
+            <a:prstDash val="solid"/>
+          </a:ln>
+        </p:spPr>
+        <p:style>
+          <a:lnRef idx="2">
+            <a:schemeClr val="accent1"/>
+          </a:lnRef>
+          <a:fillRef idx="1">
+            <a:schemeClr val="lt1"/>
+          </a:fillRef>
+          <a:effectRef idx="0">
+            <a:schemeClr val="accent1"/>
+          </a:effectRef>
+          <a:fontRef idx="minor">
+            <a:schemeClr val="dk1"/>
+          </a:fontRef>
+        </p:style>
+        <p:txBody>
+          <a:bodyPr vert="horz" lIns="91440" tIns="45720" rIns="91440" bIns="45720" rtlCol="0" anchor="ctr"/>
+          <a:lstStyle/>
+          <a:p>
+            <a:pPr algn="ctr">
+              <a:defRPr/>
+            </a:pPr>
+            <a:fld id="{6389AA22-90B4-448C-8B6B-C699140D38B9}" type="slidenum">
+              <a:rPr lang="uk-UA" sz="2400" b="1">
+                <a:solidFill>
+                  <a:schemeClr val="bg1">
+                    <a:lumMod val="50000"/>
+                  </a:schemeClr>
+                </a:solidFill>
+              </a:rPr>
+              <a:pPr algn="ctr">
+                <a:defRPr/>
+              </a:pPr>
+              <a:t>37</a:t>
+            </a:fld>
+            <a:endParaRPr lang="uk-UA" sz="2400" b="1" dirty="0">
+              <a:solidFill>
+                <a:schemeClr val="bg1">
+                  <a:lumMod val="50000"/>
+                </a:schemeClr>
+              </a:solidFill>
+            </a:endParaRPr>
+          </a:p>
+        </p:txBody>
+      </p:sp>
+      <p:sp>
+        <p:nvSpPr>
+          <p:cNvPr id="27" name="TextBox 26"/>
           <p:cNvSpPr txBox="1"/>
           <p:nvPr/>
         </p:nvSpPr>
         <p:spPr>
           <a:xfrm>
-            <a:off x="-1" y="2924944"/>
-            <a:ext cx="12192001" cy="1754326"/>
+            <a:off x="5807968" y="2492896"/>
+            <a:ext cx="5688632" cy="3046988"/>
           </a:xfrm>
           <a:prstGeom prst="rect">
             <a:avLst/>
@@ -12108,48 +12194,137 @@
           </a:bodyPr>
           <a:lstStyle/>
           <a:p>
+            <a:r>
+              <a:rPr lang="ru-RU" sz="3200" dirty="0"/>
+              <a:t>Пользователь вводит ИНН (физ. лица Украины). Необходимо определить: </a:t>
+            </a:r>
+            <a:r>
+              <a:rPr lang="ru-RU" sz="3200" b="1" dirty="0"/>
+              <a:t>корректен ли код</a:t>
+            </a:r>
+            <a:r>
+              <a:rPr lang="ru-RU" sz="3200" dirty="0"/>
+              <a:t>, узнать </a:t>
+            </a:r>
+            <a:r>
+              <a:rPr lang="ru-RU" sz="3200" b="1" dirty="0"/>
+              <a:t>дату рождения</a:t>
+            </a:r>
+            <a:r>
+              <a:rPr lang="ru-RU" sz="3200" dirty="0"/>
+              <a:t>, определить </a:t>
+            </a:r>
+            <a:r>
+              <a:rPr lang="ru-RU" sz="3200" b="1" dirty="0"/>
+              <a:t>пол</a:t>
+            </a:r>
+            <a:r>
+              <a:rPr lang="ru-RU" sz="3200" dirty="0"/>
+              <a:t> и сколько </a:t>
+            </a:r>
+            <a:r>
+              <a:rPr lang="ru-RU" sz="3200" b="1" dirty="0"/>
+              <a:t>полных лет </a:t>
+            </a:r>
+            <a:r>
+              <a:rPr lang="ru-RU" sz="3200" dirty="0"/>
+              <a:t>человеку</a:t>
+            </a:r>
+            <a:r>
+              <a:rPr lang="en-US" sz="3200" dirty="0"/>
+              <a:t>. </a:t>
+            </a:r>
+            <a:r>
+              <a:rPr lang="ru-RU" sz="3200" dirty="0"/>
+              <a:t> </a:t>
+            </a:r>
+          </a:p>
+        </p:txBody>
+      </p:sp>
+      <p:sp>
+        <p:nvSpPr>
+          <p:cNvPr id="3" name="TextBox 2"/>
+          <p:cNvSpPr txBox="1"/>
+          <p:nvPr/>
+        </p:nvSpPr>
+        <p:spPr>
+          <a:xfrm>
+            <a:off x="0" y="332656"/>
+            <a:ext cx="12192000" cy="1200329"/>
+          </a:xfrm>
+          <a:prstGeom prst="rect">
+            <a:avLst/>
+          </a:prstGeom>
+          <a:noFill/>
+        </p:spPr>
+        <p:txBody>
+          <a:bodyPr wrap="square" rtlCol="0">
+            <a:spAutoFit/>
+          </a:bodyPr>
+          <a:lstStyle/>
+          <a:p>
             <a:pPr algn="ctr"/>
             <a:r>
-              <a:rPr lang="ru-RU" sz="5400" b="1" dirty="0"/>
-              <a:t>Работа с </a:t>
-            </a:r>
-            <a:r>
-              <a:rPr lang="en-US" sz="5400" b="1" dirty="0">
-                <a:solidFill>
-                  <a:srgbClr val="00B050"/>
-                </a:solidFill>
-              </a:rPr>
-              <a:t>DOM</a:t>
-            </a:r>
-            <a:r>
-              <a:rPr lang="en-US" sz="5400" b="1" dirty="0"/>
-              <a:t> </a:t>
-            </a:r>
-            <a:endParaRPr lang="ru-RU" sz="5400" b="1" dirty="0"/>
-          </a:p>
-          <a:p>
-            <a:pPr algn="ctr"/>
-            <a:r>
-              <a:rPr lang="en-US" sz="5400" dirty="0"/>
-              <a:t>(</a:t>
-            </a:r>
-            <a:r>
-              <a:rPr lang="ru-RU" sz="5400" b="1" dirty="0">
+              <a:rPr lang="ru-RU" sz="3600" b="1" dirty="0"/>
+              <a:t>Домашнее задание </a:t>
+            </a:r>
+            <a:r>
+              <a:rPr lang="en-US" sz="3600" b="1" dirty="0">
                 <a:solidFill>
                   <a:schemeClr val="accent6">
                     <a:lumMod val="75000"/>
                   </a:schemeClr>
                 </a:solidFill>
               </a:rPr>
-              <a:t>работа с разметкой документа</a:t>
-            </a:r>
-            <a:r>
-              <a:rPr lang="en-US" sz="5400" dirty="0"/>
-              <a:t>)</a:t>
-            </a:r>
-            <a:endParaRPr lang="ru-RU" sz="5400" b="1" dirty="0">
+              <a:t>#</a:t>
+            </a:r>
+            <a:r>
+              <a:rPr lang="ru-RU" sz="3600" b="1" dirty="0">
+                <a:solidFill>
+                  <a:schemeClr val="accent6">
+                    <a:lumMod val="75000"/>
+                  </a:schemeClr>
+                </a:solidFill>
+              </a:rPr>
+              <a:t>С</a:t>
+            </a:r>
+            <a:r>
+              <a:rPr lang="en-US" sz="3600" b="1" dirty="0">
+                <a:solidFill>
+                  <a:schemeClr val="accent6">
+                    <a:lumMod val="75000"/>
+                  </a:schemeClr>
+                </a:solidFill>
+              </a:rPr>
+              <a:t>.</a:t>
+            </a:r>
+            <a:r>
+              <a:rPr lang="ru-RU" sz="3600" b="1" dirty="0">
+                <a:solidFill>
+                  <a:schemeClr val="accent6">
+                    <a:lumMod val="75000"/>
+                  </a:schemeClr>
+                </a:solidFill>
+              </a:rPr>
+              <a:t>1</a:t>
+            </a:r>
+            <a:r>
+              <a:rPr lang="en-US" sz="3600" b="1" dirty="0"/>
+              <a:t>  </a:t>
+            </a:r>
+            <a:endParaRPr lang="ru-RU" sz="3600" b="1" dirty="0"/>
+          </a:p>
+          <a:p>
+            <a:pPr algn="ctr"/>
+            <a:r>
+              <a:rPr lang="ru-RU" sz="3600" b="1" dirty="0"/>
+              <a:t>«Проверка ИНН»</a:t>
+            </a:r>
+            <a:endParaRPr lang="uk-UA" sz="3600" b="1" dirty="0">
               <a:solidFill>
-                <a:srgbClr val="00B050"/>
+                <a:schemeClr val="accent6">
+                  <a:lumMod val="75000"/>
+                </a:schemeClr>
               </a:solidFill>
             </a:endParaRPr>
           </a:p>
@@ -12157,19 +12332,36 @@
       </p:sp>
       <p:sp>
         <p:nvSpPr>
-          <p:cNvPr id="5" name="TextBox 4"/>
+          <p:cNvPr id="8" name="TextBox 7"/>
           <p:cNvSpPr txBox="1"/>
           <p:nvPr/>
         </p:nvSpPr>
         <p:spPr>
           <a:xfrm>
-            <a:off x="-1" y="1052736"/>
-            <a:ext cx="12192001" cy="769441"/>
+            <a:off x="767408" y="5277479"/>
+            <a:ext cx="4526868" cy="738664"/>
           </a:xfrm>
           <a:prstGeom prst="rect">
             <a:avLst/>
           </a:prstGeom>
-          <a:noFill/>
+          <a:solidFill>
+            <a:schemeClr val="accent3">
+              <a:lumMod val="20000"/>
+              <a:lumOff val="80000"/>
+            </a:schemeClr>
+          </a:solidFill>
+          <a:ln>
+            <a:solidFill>
+              <a:srgbClr val="92D050"/>
+            </a:solidFill>
+          </a:ln>
+          <a:effectLst>
+            <a:outerShdw blurRad="50800" dist="38100" dir="2700000" algn="tl" rotWithShape="0">
+              <a:prstClr val="black">
+                <a:alpha val="40000"/>
+              </a:prstClr>
+            </a:outerShdw>
+          </a:effectLst>
         </p:spPr>
         <p:txBody>
           <a:bodyPr wrap="square" rtlCol="0">
@@ -12177,18 +12369,106 @@
           </a:bodyPr>
           <a:lstStyle/>
           <a:p>
-            <a:pPr algn="ctr"/>
-            <a:r>
-              <a:rPr lang="ru-RU" sz="4400" b="1" dirty="0"/>
-              <a:t>На следующем занятии</a:t>
-            </a:r>
-          </a:p>
-        </p:txBody>
-      </p:sp>
+            <a:r>
+              <a:rPr lang="ru-RU" sz="1400" i="1" dirty="0"/>
+              <a:t>Для проверки:</a:t>
+            </a:r>
+          </a:p>
+          <a:p>
+            <a:r>
+              <a:rPr lang="ru-RU" sz="1400" b="1" i="1" dirty="0"/>
+              <a:t>3463463460</a:t>
+            </a:r>
+            <a:r>
+              <a:rPr lang="ru-RU" sz="1400" i="1" dirty="0"/>
+              <a:t> – пол женский, </a:t>
+            </a:r>
+            <a:r>
+              <a:rPr lang="ru-RU" sz="1400" i="1" dirty="0" err="1"/>
+              <a:t>д.р</a:t>
+            </a:r>
+            <a:r>
+              <a:rPr lang="ru-RU" sz="1400" i="1" dirty="0"/>
+              <a:t>. 28.10.1994; </a:t>
+            </a:r>
+          </a:p>
+          <a:p>
+            <a:r>
+              <a:rPr lang="ru-RU" sz="1400" b="1" i="1" dirty="0"/>
+              <a:t>2063463479</a:t>
+            </a:r>
+            <a:r>
+              <a:rPr lang="ru-RU" sz="1400" i="1" dirty="0"/>
+              <a:t> – пол мужской, </a:t>
+            </a:r>
+            <a:r>
+              <a:rPr lang="ru-RU" sz="1400" i="1" dirty="0" err="1"/>
+              <a:t>д.р</a:t>
+            </a:r>
+            <a:r>
+              <a:rPr lang="ru-RU" sz="1400" i="1" dirty="0"/>
+              <a:t>. 29.06.1956.</a:t>
+            </a:r>
+            <a:endParaRPr lang="uk-UA" sz="1400" i="1" dirty="0"/>
+          </a:p>
+        </p:txBody>
+      </p:sp>
+      <p:pic>
+        <p:nvPicPr>
+          <p:cNvPr id="2050" name="Picture 2" descr="Ð ÐµÐ·ÑÐ»ÑÑÐ°Ñ Ð¿Ð¾ÑÑÐºÑ Ð·Ð¾Ð±ÑÐ°Ð¶ÐµÐ½Ñ Ð·Ð° Ð·Ð°Ð¿Ð¸ÑÐ¾Ð¼ &quot;ÑÐ¿Ð½&quot;"/>
+          <p:cNvPicPr>
+            <a:picLocks noChangeAspect="1" noChangeArrowheads="1"/>
+          </p:cNvPicPr>
+          <p:nvPr/>
+        </p:nvPicPr>
+        <p:blipFill>
+          <a:blip r:embed="rId2">
+            <a:extLst>
+              <a:ext uri="{28A0092B-C50C-407E-A947-70E740481C1C}">
+                <a14:useLocalDpi xmlns:a14="http://schemas.microsoft.com/office/drawing/2010/main" val="0"/>
+              </a:ext>
+            </a:extLst>
+          </a:blip>
+          <a:srcRect/>
+          <a:stretch>
+            <a:fillRect/>
+          </a:stretch>
+        </p:blipFill>
+        <p:spPr bwMode="auto">
+          <a:xfrm>
+            <a:off x="767408" y="1988840"/>
+            <a:ext cx="4526868" cy="2678397"/>
+          </a:xfrm>
+          <a:prstGeom prst="rect">
+            <a:avLst/>
+          </a:prstGeom>
+          <a:ln>
+            <a:solidFill>
+              <a:srgbClr val="92D050"/>
+            </a:solidFill>
+          </a:ln>
+          <a:effectLst>
+            <a:outerShdw blurRad="292100" dist="139700" dir="2700000" algn="tl" rotWithShape="0">
+              <a:srgbClr val="333333">
+                <a:alpha val="65000"/>
+              </a:srgbClr>
+            </a:outerShdw>
+          </a:effectLst>
+          <a:extLst>
+            <a:ext uri="{909E8E84-426E-40DD-AFC4-6F175D3DCCD1}">
+              <a14:hiddenFill xmlns:a14="http://schemas.microsoft.com/office/drawing/2010/main">
+                <a:solidFill>
+                  <a:srgbClr val="FFFFFF"/>
+                </a:solidFill>
+              </a14:hiddenFill>
+            </a:ext>
+          </a:extLst>
+        </p:spPr>
+      </p:pic>
     </p:spTree>
     <p:extLst>
       <p:ext uri="{BB962C8B-B14F-4D97-AF65-F5344CB8AC3E}">
-        <p14:creationId xmlns:p14="http://schemas.microsoft.com/office/powerpoint/2010/main" val="1460045381"/>
+        <p14:creationId xmlns:p14="http://schemas.microsoft.com/office/powerpoint/2010/main" val="4023351221"/>
       </p:ext>
     </p:extLst>
   </p:cSld>
@@ -12217,95 +12497,7 @@
       </p:grpSpPr>
       <p:sp>
         <p:nvSpPr>
-          <p:cNvPr id="5" name="Прямоугольник 4"/>
-          <p:cNvSpPr/>
-          <p:nvPr/>
-        </p:nvSpPr>
-        <p:spPr>
-          <a:xfrm>
-            <a:off x="0" y="0"/>
-            <a:ext cx="12192000" cy="6858000"/>
-          </a:xfrm>
-          <a:prstGeom prst="rect">
-            <a:avLst/>
-          </a:prstGeom>
-          <a:solidFill>
-            <a:srgbClr val="002060"/>
-          </a:solidFill>
-        </p:spPr>
-        <p:style>
-          <a:lnRef idx="2">
-            <a:schemeClr val="accent1">
-              <a:shade val="50000"/>
-            </a:schemeClr>
-          </a:lnRef>
-          <a:fillRef idx="1">
-            <a:schemeClr val="accent1"/>
-          </a:fillRef>
-          <a:effectRef idx="0">
-            <a:schemeClr val="accent1"/>
-          </a:effectRef>
-          <a:fontRef idx="minor">
-            <a:schemeClr val="lt1"/>
-          </a:fontRef>
-        </p:style>
-        <p:txBody>
-          <a:bodyPr rtlCol="0" anchor="ctr"/>
-          <a:lstStyle/>
-          <a:p>
-            <a:pPr algn="ctr"/>
-            <a:r>
-              <a:rPr lang="ru-RU" sz="6000" b="1" dirty="0">
-                <a:solidFill>
-                  <a:srgbClr val="FFC000"/>
-                </a:solidFill>
-              </a:rPr>
-              <a:t>Домашнее задание </a:t>
-            </a:r>
-          </a:p>
-          <a:p>
-            <a:pPr algn="ctr"/>
-            <a:r>
-              <a:rPr lang="ru-RU" sz="6000" b="1" dirty="0"/>
-              <a:t>/сделать</a:t>
-            </a:r>
-            <a:endParaRPr lang="uk-UA" sz="6000" b="1" dirty="0"/>
-          </a:p>
-        </p:txBody>
-      </p:sp>
-    </p:spTree>
-    <p:extLst>
-      <p:ext uri="{BB962C8B-B14F-4D97-AF65-F5344CB8AC3E}">
-        <p14:creationId xmlns:p14="http://schemas.microsoft.com/office/powerpoint/2010/main" val="812048618"/>
-      </p:ext>
-    </p:extLst>
-  </p:cSld>
-  <p:clrMapOvr>
-    <a:masterClrMapping/>
-  </p:clrMapOvr>
-</p:sld>
-</file>
-
-<file path=ppt/slides/slide39.xml><?xml version="1.0" encoding="utf-8"?>
-<p:sld xmlns:a="http://schemas.openxmlformats.org/drawingml/2006/main" xmlns:r="http://schemas.openxmlformats.org/officeDocument/2006/relationships" xmlns:p="http://schemas.openxmlformats.org/presentationml/2006/main">
-  <p:cSld>
-    <p:spTree>
-      <p:nvGrpSpPr>
-        <p:cNvPr id="1" name=""/>
-        <p:cNvGrpSpPr/>
-        <p:nvPr/>
-      </p:nvGrpSpPr>
-      <p:grpSpPr>
-        <a:xfrm>
-          <a:off x="0" y="0"/>
-          <a:ext cx="0" cy="0"/>
-          <a:chOff x="0" y="0"/>
-          <a:chExt cx="0" cy="0"/>
-        </a:xfrm>
-      </p:grpSpPr>
-      <p:sp>
-        <p:nvSpPr>
-          <p:cNvPr id="20" name="Номер слайда 36"/>
+          <p:cNvPr id="6" name="Номер слайда 36"/>
           <p:cNvSpPr txBox="1">
             <a:spLocks/>
           </p:cNvSpPr>
@@ -12313,7 +12505,7 @@
         </p:nvSpPr>
         <p:spPr>
           <a:xfrm>
-            <a:off x="11172564" y="6164170"/>
+            <a:off x="11111880" y="6205954"/>
             <a:ext cx="648072" cy="432048"/>
           </a:xfrm>
           <a:prstGeom prst="roundRect">
@@ -12361,7 +12553,7 @@
               <a:pPr algn="ctr">
                 <a:defRPr/>
               </a:pPr>
-              <a:t>39</a:t>
+              <a:t>38</a:t>
             </a:fld>
             <a:endParaRPr lang="uk-UA" sz="2400" b="1" dirty="0">
               <a:solidFill>
@@ -12373,250 +12565,9 @@
           </a:p>
         </p:txBody>
       </p:sp>
-      <p:sp>
-        <p:nvSpPr>
-          <p:cNvPr id="27" name="TextBox 26"/>
-          <p:cNvSpPr txBox="1"/>
-          <p:nvPr/>
-        </p:nvSpPr>
-        <p:spPr>
-          <a:xfrm>
-            <a:off x="5807968" y="2492896"/>
-            <a:ext cx="5688632" cy="3046988"/>
-          </a:xfrm>
-          <a:prstGeom prst="rect">
-            <a:avLst/>
-          </a:prstGeom>
-          <a:noFill/>
-        </p:spPr>
-        <p:txBody>
-          <a:bodyPr wrap="square" rtlCol="0">
-            <a:spAutoFit/>
-          </a:bodyPr>
-          <a:lstStyle/>
-          <a:p>
-            <a:r>
-              <a:rPr lang="ru-RU" sz="3200" dirty="0"/>
-              <a:t>Пользователь вводит ИНН (физ. лица Украины). Необходимо определить: </a:t>
-            </a:r>
-            <a:r>
-              <a:rPr lang="ru-RU" sz="3200" b="1" dirty="0"/>
-              <a:t>корректен ли код</a:t>
-            </a:r>
-            <a:r>
-              <a:rPr lang="ru-RU" sz="3200" dirty="0"/>
-              <a:t>, узнать </a:t>
-            </a:r>
-            <a:r>
-              <a:rPr lang="ru-RU" sz="3200" b="1" dirty="0"/>
-              <a:t>дату рождения</a:t>
-            </a:r>
-            <a:r>
-              <a:rPr lang="ru-RU" sz="3200" dirty="0"/>
-              <a:t>, определить </a:t>
-            </a:r>
-            <a:r>
-              <a:rPr lang="ru-RU" sz="3200" b="1" dirty="0"/>
-              <a:t>пол</a:t>
-            </a:r>
-            <a:r>
-              <a:rPr lang="ru-RU" sz="3200" dirty="0"/>
-              <a:t> и сколько </a:t>
-            </a:r>
-            <a:r>
-              <a:rPr lang="ru-RU" sz="3200" b="1" dirty="0"/>
-              <a:t>полных лет </a:t>
-            </a:r>
-            <a:r>
-              <a:rPr lang="ru-RU" sz="3200" dirty="0"/>
-              <a:t>человеку</a:t>
-            </a:r>
-            <a:r>
-              <a:rPr lang="en-US" sz="3200" dirty="0"/>
-              <a:t>. </a:t>
-            </a:r>
-            <a:r>
-              <a:rPr lang="ru-RU" sz="3200" dirty="0"/>
-              <a:t> </a:t>
-            </a:r>
-          </a:p>
-        </p:txBody>
-      </p:sp>
-      <p:sp>
-        <p:nvSpPr>
-          <p:cNvPr id="3" name="TextBox 2"/>
-          <p:cNvSpPr txBox="1"/>
-          <p:nvPr/>
-        </p:nvSpPr>
-        <p:spPr>
-          <a:xfrm>
-            <a:off x="0" y="332656"/>
-            <a:ext cx="12192000" cy="1200329"/>
-          </a:xfrm>
-          <a:prstGeom prst="rect">
-            <a:avLst/>
-          </a:prstGeom>
-          <a:noFill/>
-        </p:spPr>
-        <p:txBody>
-          <a:bodyPr wrap="square" rtlCol="0">
-            <a:spAutoFit/>
-          </a:bodyPr>
-          <a:lstStyle/>
-          <a:p>
-            <a:pPr algn="ctr"/>
-            <a:r>
-              <a:rPr lang="ru-RU" sz="3600" b="1" dirty="0"/>
-              <a:t>Домашнее задание </a:t>
-            </a:r>
-            <a:r>
-              <a:rPr lang="en-US" sz="3600" b="1" dirty="0">
-                <a:solidFill>
-                  <a:schemeClr val="accent6">
-                    <a:lumMod val="75000"/>
-                  </a:schemeClr>
-                </a:solidFill>
-              </a:rPr>
-              <a:t>#</a:t>
-            </a:r>
-            <a:r>
-              <a:rPr lang="ru-RU" sz="3600" b="1" dirty="0">
-                <a:solidFill>
-                  <a:schemeClr val="accent6">
-                    <a:lumMod val="75000"/>
-                  </a:schemeClr>
-                </a:solidFill>
-              </a:rPr>
-              <a:t>С</a:t>
-            </a:r>
-            <a:r>
-              <a:rPr lang="en-US" sz="3600" b="1" dirty="0">
-                <a:solidFill>
-                  <a:schemeClr val="accent6">
-                    <a:lumMod val="75000"/>
-                  </a:schemeClr>
-                </a:solidFill>
-              </a:rPr>
-              <a:t>.</a:t>
-            </a:r>
-            <a:r>
-              <a:rPr lang="ru-RU" sz="3600" b="1" dirty="0">
-                <a:solidFill>
-                  <a:schemeClr val="accent6">
-                    <a:lumMod val="75000"/>
-                  </a:schemeClr>
-                </a:solidFill>
-              </a:rPr>
-              <a:t>1</a:t>
-            </a:r>
-            <a:r>
-              <a:rPr lang="en-US" sz="3600" b="1" dirty="0"/>
-              <a:t>  </a:t>
-            </a:r>
-            <a:endParaRPr lang="ru-RU" sz="3600" b="1" dirty="0"/>
-          </a:p>
-          <a:p>
-            <a:pPr algn="ctr"/>
-            <a:r>
-              <a:rPr lang="ru-RU" sz="3600" b="1" dirty="0"/>
-              <a:t>«Проверка ИНН»</a:t>
-            </a:r>
-            <a:endParaRPr lang="uk-UA" sz="3600" b="1" dirty="0">
-              <a:solidFill>
-                <a:schemeClr val="accent6">
-                  <a:lumMod val="75000"/>
-                </a:schemeClr>
-              </a:solidFill>
-            </a:endParaRPr>
-          </a:p>
-        </p:txBody>
-      </p:sp>
-      <p:sp>
-        <p:nvSpPr>
-          <p:cNvPr id="8" name="TextBox 7"/>
-          <p:cNvSpPr txBox="1"/>
-          <p:nvPr/>
-        </p:nvSpPr>
-        <p:spPr>
-          <a:xfrm>
-            <a:off x="767408" y="5277479"/>
-            <a:ext cx="4526868" cy="738664"/>
-          </a:xfrm>
-          <a:prstGeom prst="rect">
-            <a:avLst/>
-          </a:prstGeom>
-          <a:solidFill>
-            <a:schemeClr val="accent3">
-              <a:lumMod val="20000"/>
-              <a:lumOff val="80000"/>
-            </a:schemeClr>
-          </a:solidFill>
-          <a:ln>
-            <a:solidFill>
-              <a:srgbClr val="92D050"/>
-            </a:solidFill>
-          </a:ln>
-          <a:effectLst>
-            <a:outerShdw blurRad="50800" dist="38100" dir="2700000" algn="tl" rotWithShape="0">
-              <a:prstClr val="black">
-                <a:alpha val="40000"/>
-              </a:prstClr>
-            </a:outerShdw>
-          </a:effectLst>
-        </p:spPr>
-        <p:txBody>
-          <a:bodyPr wrap="square" rtlCol="0">
-            <a:spAutoFit/>
-          </a:bodyPr>
-          <a:lstStyle/>
-          <a:p>
-            <a:r>
-              <a:rPr lang="ru-RU" sz="1400" i="1" dirty="0"/>
-              <a:t>Для проверки:</a:t>
-            </a:r>
-          </a:p>
-          <a:p>
-            <a:r>
-              <a:rPr lang="ru-RU" sz="1400" b="1" i="1" dirty="0"/>
-              <a:t>3463463460</a:t>
-            </a:r>
-            <a:r>
-              <a:rPr lang="ru-RU" sz="1400" i="1" dirty="0"/>
-              <a:t> – пол женский, </a:t>
-            </a:r>
-            <a:r>
-              <a:rPr lang="ru-RU" sz="1400" i="1" dirty="0" err="1"/>
-              <a:t>д.р</a:t>
-            </a:r>
-            <a:r>
-              <a:rPr lang="ru-RU" sz="1400" i="1" dirty="0"/>
-              <a:t>. 28.10.1994; </a:t>
-            </a:r>
-          </a:p>
-          <a:p>
-            <a:r>
-              <a:rPr lang="ru-RU" sz="1400" b="1" i="1" dirty="0"/>
-              <a:t>2063463479</a:t>
-            </a:r>
-            <a:r>
-              <a:rPr lang="ru-RU" sz="1400" i="1" dirty="0"/>
-              <a:t> – пол мужской, </a:t>
-            </a:r>
-            <a:r>
-              <a:rPr lang="ru-RU" sz="1400" i="1" dirty="0" err="1"/>
-              <a:t>д.р</a:t>
-            </a:r>
-            <a:r>
-              <a:rPr lang="ru-RU" sz="1400" i="1" dirty="0"/>
-              <a:t>. 29.06.1956.</a:t>
-            </a:r>
-            <a:endParaRPr lang="uk-UA" sz="1400" i="1" dirty="0"/>
-          </a:p>
-        </p:txBody>
-      </p:sp>
       <p:pic>
         <p:nvPicPr>
-          <p:cNvPr id="2050" name="Picture 2" descr="Ð ÐµÐ·ÑÐ»ÑÑÐ°Ñ Ð¿Ð¾ÑÑÐºÑ Ð·Ð¾Ð±ÑÐ°Ð¶ÐµÐ½Ñ Ð·Ð° Ð·Ð°Ð¿Ð¸ÑÐ¾Ð¼ &quot;ÑÐ¿Ð½&quot;"/>
+          <p:cNvPr id="1026" name="Picture 2" descr="http://rewards.mastercard.ua/uploads/picture/pK4EUgwiN3yd5GnL6qp8_1678/master_blue.png"/>
           <p:cNvPicPr>
             <a:picLocks noChangeAspect="1" noChangeArrowheads="1"/>
           </p:cNvPicPr>
@@ -12637,24 +12588,13 @@
         </p:blipFill>
         <p:spPr bwMode="auto">
           <a:xfrm>
-            <a:off x="767408" y="1988840"/>
-            <a:ext cx="4526868" cy="2678397"/>
+            <a:off x="505168" y="1335205"/>
+            <a:ext cx="3142559" cy="2021787"/>
           </a:xfrm>
           <a:prstGeom prst="rect">
             <a:avLst/>
           </a:prstGeom>
-          <a:ln>
-            <a:solidFill>
-              <a:srgbClr val="92D050"/>
-            </a:solidFill>
-          </a:ln>
-          <a:effectLst>
-            <a:outerShdw blurRad="292100" dist="139700" dir="2700000" algn="tl" rotWithShape="0">
-              <a:srgbClr val="333333">
-                <a:alpha val="65000"/>
-              </a:srgbClr>
-            </a:outerShdw>
-          </a:effectLst>
+          <a:noFill/>
           <a:extLst>
             <a:ext uri="{909E8E84-426E-40DD-AFC4-6F175D3DCCD1}">
               <a14:hiddenFill xmlns:a14="http://schemas.microsoft.com/office/drawing/2010/main">
@@ -12666,10 +12606,241 @@
           </a:extLst>
         </p:spPr>
       </p:pic>
+      <p:sp>
+        <p:nvSpPr>
+          <p:cNvPr id="7" name="TextBox 6"/>
+          <p:cNvSpPr txBox="1"/>
+          <p:nvPr/>
+        </p:nvSpPr>
+        <p:spPr>
+          <a:xfrm>
+            <a:off x="4439816" y="1268760"/>
+            <a:ext cx="6264696" cy="4216539"/>
+          </a:xfrm>
+          <a:prstGeom prst="rect">
+            <a:avLst/>
+          </a:prstGeom>
+          <a:noFill/>
+        </p:spPr>
+        <p:txBody>
+          <a:bodyPr wrap="square" rtlCol="0">
+            <a:spAutoFit/>
+          </a:bodyPr>
+          <a:lstStyle/>
+          <a:p>
+            <a:r>
+              <a:rPr lang="ru-RU" sz="2800" b="1" dirty="0">
+                <a:solidFill>
+                  <a:srgbClr val="0070C0"/>
+                </a:solidFill>
+              </a:rPr>
+              <a:t>Задача: </a:t>
+            </a:r>
+            <a:r>
+              <a:rPr lang="ru-RU" sz="2800" dirty="0"/>
+              <a:t>Пользователь вводит </a:t>
+            </a:r>
+            <a:r>
+              <a:rPr lang="ru-RU" sz="2800" b="1" dirty="0"/>
+              <a:t>номер банковской карты</a:t>
+            </a:r>
+            <a:r>
+              <a:rPr lang="ru-RU" sz="2800" dirty="0"/>
+              <a:t>, необходимо проверить </a:t>
+            </a:r>
+            <a:r>
+              <a:rPr lang="ru-RU" sz="2800" b="1" dirty="0"/>
+              <a:t>корректный он или нет</a:t>
+            </a:r>
+            <a:r>
+              <a:rPr lang="ru-RU" sz="2800" dirty="0"/>
+              <a:t>. И определить тип платёжной системы: </a:t>
+            </a:r>
+            <a:r>
+              <a:rPr lang="en-US" sz="2800" b="1" dirty="0"/>
+              <a:t>Visa, Mastercard, Maestro</a:t>
+            </a:r>
+            <a:r>
+              <a:rPr lang="ru-RU" sz="2800" b="1" dirty="0"/>
+              <a:t> или Другая</a:t>
+            </a:r>
+            <a:r>
+              <a:rPr lang="ru-RU" sz="2800" dirty="0"/>
+              <a:t>.</a:t>
+            </a:r>
+          </a:p>
+          <a:p>
+            <a:endParaRPr lang="ru-RU" sz="2800" dirty="0"/>
+          </a:p>
+          <a:p>
+            <a:r>
+              <a:rPr lang="ru-RU" sz="2800" b="1" dirty="0">
+                <a:solidFill>
+                  <a:schemeClr val="accent6">
+                    <a:lumMod val="75000"/>
+                  </a:schemeClr>
+                </a:solidFill>
+              </a:rPr>
+              <a:t>Подсказка:</a:t>
+            </a:r>
+            <a:r>
+              <a:rPr lang="en-US" sz="2800" b="1" dirty="0">
+                <a:solidFill>
+                  <a:schemeClr val="accent6">
+                    <a:lumMod val="75000"/>
+                  </a:schemeClr>
+                </a:solidFill>
+              </a:rPr>
+              <a:t> </a:t>
+            </a:r>
+            <a:endParaRPr lang="ru-RU" sz="2800" b="1" dirty="0">
+              <a:solidFill>
+                <a:schemeClr val="accent6">
+                  <a:lumMod val="75000"/>
+                </a:schemeClr>
+              </a:solidFill>
+            </a:endParaRPr>
+          </a:p>
+          <a:p>
+            <a:r>
+              <a:rPr lang="en-US" sz="2400" b="1" dirty="0">
+                <a:solidFill>
+                  <a:schemeClr val="bg1">
+                    <a:lumMod val="65000"/>
+                  </a:schemeClr>
+                </a:solidFill>
+              </a:rPr>
+              <a:t>MasterCard </a:t>
+            </a:r>
+            <a:r>
+              <a:rPr lang="ru-RU" sz="2400" b="1" dirty="0">
+                <a:solidFill>
+                  <a:schemeClr val="bg1">
+                    <a:lumMod val="65000"/>
+                  </a:schemeClr>
+                </a:solidFill>
+              </a:rPr>
+              <a:t>это не только 5-ка в начале,</a:t>
+            </a:r>
+          </a:p>
+          <a:p>
+            <a:r>
+              <a:rPr lang="ru-RU" sz="2400" b="1" dirty="0">
+                <a:solidFill>
+                  <a:schemeClr val="bg1">
+                    <a:lumMod val="65000"/>
+                  </a:schemeClr>
+                </a:solidFill>
+              </a:rPr>
+              <a:t>Длинна номера карты это не всегда 16 цифр,</a:t>
+            </a:r>
+          </a:p>
+          <a:p>
+            <a:r>
+              <a:rPr lang="ru-RU" sz="2400" b="1" dirty="0">
+                <a:solidFill>
+                  <a:schemeClr val="bg1">
+                    <a:lumMod val="65000"/>
+                  </a:schemeClr>
+                </a:solidFill>
+              </a:rPr>
+              <a:t>Генератор номеров вам в помощь.</a:t>
+            </a:r>
+          </a:p>
+        </p:txBody>
+      </p:sp>
+      <p:sp>
+        <p:nvSpPr>
+          <p:cNvPr id="10" name="TextBox 9"/>
+          <p:cNvSpPr txBox="1"/>
+          <p:nvPr/>
+        </p:nvSpPr>
+        <p:spPr>
+          <a:xfrm>
+            <a:off x="0" y="260648"/>
+            <a:ext cx="12192000" cy="646331"/>
+          </a:xfrm>
+          <a:prstGeom prst="rect">
+            <a:avLst/>
+          </a:prstGeom>
+          <a:noFill/>
+        </p:spPr>
+        <p:txBody>
+          <a:bodyPr wrap="square" rtlCol="0">
+            <a:spAutoFit/>
+          </a:bodyPr>
+          <a:lstStyle/>
+          <a:p>
+            <a:pPr algn="ctr"/>
+            <a:r>
+              <a:rPr lang="ru-RU" sz="3600" b="1" dirty="0"/>
+              <a:t>Домашнее задание </a:t>
+            </a:r>
+            <a:r>
+              <a:rPr lang="en-US" sz="3600" b="1" dirty="0">
+                <a:solidFill>
+                  <a:schemeClr val="accent6">
+                    <a:lumMod val="75000"/>
+                  </a:schemeClr>
+                </a:solidFill>
+              </a:rPr>
+              <a:t>#C.2 </a:t>
+            </a:r>
+            <a:r>
+              <a:rPr lang="en-US" sz="3600" b="1" dirty="0"/>
+              <a:t>|  </a:t>
+            </a:r>
+            <a:r>
+              <a:rPr lang="ru-RU" sz="3600" b="1" dirty="0"/>
+              <a:t>«Проверка номера карты»</a:t>
+            </a:r>
+            <a:endParaRPr lang="uk-UA" sz="3600" b="1" dirty="0"/>
+          </a:p>
+        </p:txBody>
+      </p:sp>
+      <p:pic>
+        <p:nvPicPr>
+          <p:cNvPr id="2" name="Picture 2" descr="Ð ÐµÐ·ÑÐ»ÑÑÐ°Ñ Ð¿Ð¾ÑÑÐºÑ Ð·Ð¾Ð±ÑÐ°Ð¶ÐµÐ½Ñ Ð·Ð° Ð·Ð°Ð¿Ð¸ÑÐ¾Ð¼ &quot;visa card&quot;"/>
+          <p:cNvPicPr>
+            <a:picLocks noChangeAspect="1" noChangeArrowheads="1"/>
+          </p:cNvPicPr>
+          <p:nvPr/>
+        </p:nvPicPr>
+        <p:blipFill rotWithShape="1">
+          <a:blip r:embed="rId3">
+            <a:extLst>
+              <a:ext uri="{28A0092B-C50C-407E-A947-70E740481C1C}">
+                <a14:useLocalDpi xmlns:a14="http://schemas.microsoft.com/office/drawing/2010/main" val="0"/>
+              </a:ext>
+            </a:extLst>
+          </a:blip>
+          <a:srcRect r="9844"/>
+          <a:stretch/>
+        </p:blipFill>
+        <p:spPr bwMode="auto">
+          <a:xfrm>
+            <a:off x="601878" y="3717032"/>
+            <a:ext cx="2999635" cy="1871527"/>
+          </a:xfrm>
+          <a:prstGeom prst="rect">
+            <a:avLst/>
+          </a:prstGeom>
+          <a:noFill/>
+          <a:extLst>
+            <a:ext uri="{909E8E84-426E-40DD-AFC4-6F175D3DCCD1}">
+              <a14:hiddenFill xmlns:a14="http://schemas.microsoft.com/office/drawing/2010/main">
+                <a:solidFill>
+                  <a:srgbClr val="FFFFFF"/>
+                </a:solidFill>
+              </a14:hiddenFill>
+            </a:ext>
+          </a:extLst>
+        </p:spPr>
+      </p:pic>
     </p:spTree>
     <p:extLst>
       <p:ext uri="{BB962C8B-B14F-4D97-AF65-F5344CB8AC3E}">
-        <p14:creationId xmlns:p14="http://schemas.microsoft.com/office/powerpoint/2010/main" val="4023351221"/>
+        <p14:creationId xmlns:p14="http://schemas.microsoft.com/office/powerpoint/2010/main" val="1809769971"/>
       </p:ext>
     </p:extLst>
   </p:cSld>
@@ -13016,378 +13187,6 @@
         </p:spPr>
       </p:pic>
     </p:spTree>
-  </p:cSld>
-  <p:clrMapOvr>
-    <a:masterClrMapping/>
-  </p:clrMapOvr>
-</p:sld>
-</file>
-
-<file path=ppt/slides/slide40.xml><?xml version="1.0" encoding="utf-8"?>
-<p:sld xmlns:a="http://schemas.openxmlformats.org/drawingml/2006/main" xmlns:r="http://schemas.openxmlformats.org/officeDocument/2006/relationships" xmlns:p="http://schemas.openxmlformats.org/presentationml/2006/main">
-  <p:cSld>
-    <p:spTree>
-      <p:nvGrpSpPr>
-        <p:cNvPr id="1" name=""/>
-        <p:cNvGrpSpPr/>
-        <p:nvPr/>
-      </p:nvGrpSpPr>
-      <p:grpSpPr>
-        <a:xfrm>
-          <a:off x="0" y="0"/>
-          <a:ext cx="0" cy="0"/>
-          <a:chOff x="0" y="0"/>
-          <a:chExt cx="0" cy="0"/>
-        </a:xfrm>
-      </p:grpSpPr>
-      <p:sp>
-        <p:nvSpPr>
-          <p:cNvPr id="6" name="Номер слайда 36"/>
-          <p:cNvSpPr txBox="1">
-            <a:spLocks/>
-          </p:cNvSpPr>
-          <p:nvPr/>
-        </p:nvSpPr>
-        <p:spPr>
-          <a:xfrm>
-            <a:off x="11111880" y="6205954"/>
-            <a:ext cx="648072" cy="432048"/>
-          </a:xfrm>
-          <a:prstGeom prst="roundRect">
-            <a:avLst/>
-          </a:prstGeom>
-          <a:ln w="25400" cap="flat" cmpd="sng" algn="ctr">
-            <a:solidFill>
-              <a:schemeClr val="tx2">
-                <a:lumMod val="60000"/>
-                <a:lumOff val="40000"/>
-              </a:schemeClr>
-            </a:solidFill>
-            <a:prstDash val="solid"/>
-          </a:ln>
-        </p:spPr>
-        <p:style>
-          <a:lnRef idx="2">
-            <a:schemeClr val="accent1"/>
-          </a:lnRef>
-          <a:fillRef idx="1">
-            <a:schemeClr val="lt1"/>
-          </a:fillRef>
-          <a:effectRef idx="0">
-            <a:schemeClr val="accent1"/>
-          </a:effectRef>
-          <a:fontRef idx="minor">
-            <a:schemeClr val="dk1"/>
-          </a:fontRef>
-        </p:style>
-        <p:txBody>
-          <a:bodyPr vert="horz" lIns="91440" tIns="45720" rIns="91440" bIns="45720" rtlCol="0" anchor="ctr"/>
-          <a:lstStyle/>
-          <a:p>
-            <a:pPr algn="ctr">
-              <a:defRPr/>
-            </a:pPr>
-            <a:fld id="{6389AA22-90B4-448C-8B6B-C699140D38B9}" type="slidenum">
-              <a:rPr lang="uk-UA" sz="2400" b="1">
-                <a:solidFill>
-                  <a:schemeClr val="bg1">
-                    <a:lumMod val="50000"/>
-                  </a:schemeClr>
-                </a:solidFill>
-              </a:rPr>
-              <a:pPr algn="ctr">
-                <a:defRPr/>
-              </a:pPr>
-              <a:t>40</a:t>
-            </a:fld>
-            <a:endParaRPr lang="uk-UA" sz="2400" b="1" dirty="0">
-              <a:solidFill>
-                <a:schemeClr val="bg1">
-                  <a:lumMod val="50000"/>
-                </a:schemeClr>
-              </a:solidFill>
-            </a:endParaRPr>
-          </a:p>
-        </p:txBody>
-      </p:sp>
-      <p:pic>
-        <p:nvPicPr>
-          <p:cNvPr id="1026" name="Picture 2" descr="http://rewards.mastercard.ua/uploads/picture/pK4EUgwiN3yd5GnL6qp8_1678/master_blue.png"/>
-          <p:cNvPicPr>
-            <a:picLocks noChangeAspect="1" noChangeArrowheads="1"/>
-          </p:cNvPicPr>
-          <p:nvPr/>
-        </p:nvPicPr>
-        <p:blipFill>
-          <a:blip r:embed="rId2">
-            <a:extLst>
-              <a:ext uri="{28A0092B-C50C-407E-A947-70E740481C1C}">
-                <a14:useLocalDpi xmlns:a14="http://schemas.microsoft.com/office/drawing/2010/main" val="0"/>
-              </a:ext>
-            </a:extLst>
-          </a:blip>
-          <a:srcRect/>
-          <a:stretch>
-            <a:fillRect/>
-          </a:stretch>
-        </p:blipFill>
-        <p:spPr bwMode="auto">
-          <a:xfrm>
-            <a:off x="505168" y="1335205"/>
-            <a:ext cx="3142559" cy="2021787"/>
-          </a:xfrm>
-          <a:prstGeom prst="rect">
-            <a:avLst/>
-          </a:prstGeom>
-          <a:noFill/>
-          <a:extLst>
-            <a:ext uri="{909E8E84-426E-40DD-AFC4-6F175D3DCCD1}">
-              <a14:hiddenFill xmlns:a14="http://schemas.microsoft.com/office/drawing/2010/main">
-                <a:solidFill>
-                  <a:srgbClr val="FFFFFF"/>
-                </a:solidFill>
-              </a14:hiddenFill>
-            </a:ext>
-          </a:extLst>
-        </p:spPr>
-      </p:pic>
-      <p:sp>
-        <p:nvSpPr>
-          <p:cNvPr id="7" name="TextBox 6"/>
-          <p:cNvSpPr txBox="1"/>
-          <p:nvPr/>
-        </p:nvSpPr>
-        <p:spPr>
-          <a:xfrm>
-            <a:off x="4439816" y="1268760"/>
-            <a:ext cx="6264696" cy="4216539"/>
-          </a:xfrm>
-          <a:prstGeom prst="rect">
-            <a:avLst/>
-          </a:prstGeom>
-          <a:noFill/>
-        </p:spPr>
-        <p:txBody>
-          <a:bodyPr wrap="square" rtlCol="0">
-            <a:spAutoFit/>
-          </a:bodyPr>
-          <a:lstStyle/>
-          <a:p>
-            <a:r>
-              <a:rPr lang="ru-RU" sz="2800" b="1" dirty="0">
-                <a:solidFill>
-                  <a:srgbClr val="0070C0"/>
-                </a:solidFill>
-              </a:rPr>
-              <a:t>Задача: </a:t>
-            </a:r>
-            <a:r>
-              <a:rPr lang="ru-RU" sz="2800" dirty="0"/>
-              <a:t>Пользователь вводит </a:t>
-            </a:r>
-            <a:r>
-              <a:rPr lang="ru-RU" sz="2800" b="1" dirty="0"/>
-              <a:t>номер банковской карты</a:t>
-            </a:r>
-            <a:r>
-              <a:rPr lang="ru-RU" sz="2800" dirty="0"/>
-              <a:t>, необходимо проверить </a:t>
-            </a:r>
-            <a:r>
-              <a:rPr lang="ru-RU" sz="2800" b="1" dirty="0"/>
-              <a:t>корректный он или нет</a:t>
-            </a:r>
-            <a:r>
-              <a:rPr lang="ru-RU" sz="2800" dirty="0"/>
-              <a:t>. И определить тип платёжной системы: </a:t>
-            </a:r>
-            <a:r>
-              <a:rPr lang="en-US" sz="2800" b="1" dirty="0"/>
-              <a:t>Visa, Mastercard, Maestro</a:t>
-            </a:r>
-            <a:r>
-              <a:rPr lang="ru-RU" sz="2800" b="1" dirty="0"/>
-              <a:t> или Другая</a:t>
-            </a:r>
-            <a:r>
-              <a:rPr lang="ru-RU" sz="2800" dirty="0"/>
-              <a:t>.</a:t>
-            </a:r>
-          </a:p>
-          <a:p>
-            <a:endParaRPr lang="ru-RU" sz="2800" dirty="0"/>
-          </a:p>
-          <a:p>
-            <a:r>
-              <a:rPr lang="ru-RU" sz="2800" b="1" dirty="0">
-                <a:solidFill>
-                  <a:schemeClr val="accent6">
-                    <a:lumMod val="75000"/>
-                  </a:schemeClr>
-                </a:solidFill>
-              </a:rPr>
-              <a:t>Подсказка:</a:t>
-            </a:r>
-            <a:r>
-              <a:rPr lang="en-US" sz="2800" b="1" dirty="0">
-                <a:solidFill>
-                  <a:schemeClr val="accent6">
-                    <a:lumMod val="75000"/>
-                  </a:schemeClr>
-                </a:solidFill>
-              </a:rPr>
-              <a:t> </a:t>
-            </a:r>
-            <a:endParaRPr lang="ru-RU" sz="2800" b="1" dirty="0">
-              <a:solidFill>
-                <a:schemeClr val="accent6">
-                  <a:lumMod val="75000"/>
-                </a:schemeClr>
-              </a:solidFill>
-            </a:endParaRPr>
-          </a:p>
-          <a:p>
-            <a:r>
-              <a:rPr lang="en-US" sz="2400" b="1" dirty="0">
-                <a:solidFill>
-                  <a:schemeClr val="bg1">
-                    <a:lumMod val="65000"/>
-                  </a:schemeClr>
-                </a:solidFill>
-              </a:rPr>
-              <a:t>MasterCard </a:t>
-            </a:r>
-            <a:r>
-              <a:rPr lang="ru-RU" sz="2400" b="1" dirty="0">
-                <a:solidFill>
-                  <a:schemeClr val="bg1">
-                    <a:lumMod val="65000"/>
-                  </a:schemeClr>
-                </a:solidFill>
-              </a:rPr>
-              <a:t>это не только 5-ка в начале,</a:t>
-            </a:r>
-          </a:p>
-          <a:p>
-            <a:r>
-              <a:rPr lang="ru-RU" sz="2400" b="1" dirty="0">
-                <a:solidFill>
-                  <a:schemeClr val="bg1">
-                    <a:lumMod val="65000"/>
-                  </a:schemeClr>
-                </a:solidFill>
-              </a:rPr>
-              <a:t>Длинна номера карты это не всегда 16 цифр,</a:t>
-            </a:r>
-          </a:p>
-          <a:p>
-            <a:r>
-              <a:rPr lang="ru-RU" sz="2400" b="1" dirty="0">
-                <a:solidFill>
-                  <a:schemeClr val="bg1">
-                    <a:lumMod val="65000"/>
-                  </a:schemeClr>
-                </a:solidFill>
-              </a:rPr>
-              <a:t>Генератор номеров вам в помощь.</a:t>
-            </a:r>
-          </a:p>
-        </p:txBody>
-      </p:sp>
-      <p:sp>
-        <p:nvSpPr>
-          <p:cNvPr id="10" name="TextBox 9"/>
-          <p:cNvSpPr txBox="1"/>
-          <p:nvPr/>
-        </p:nvSpPr>
-        <p:spPr>
-          <a:xfrm>
-            <a:off x="0" y="260648"/>
-            <a:ext cx="12192000" cy="646331"/>
-          </a:xfrm>
-          <a:prstGeom prst="rect">
-            <a:avLst/>
-          </a:prstGeom>
-          <a:noFill/>
-        </p:spPr>
-        <p:txBody>
-          <a:bodyPr wrap="square" rtlCol="0">
-            <a:spAutoFit/>
-          </a:bodyPr>
-          <a:lstStyle/>
-          <a:p>
-            <a:pPr algn="ctr"/>
-            <a:r>
-              <a:rPr lang="ru-RU" sz="3600" b="1" dirty="0"/>
-              <a:t>Домашнее задание </a:t>
-            </a:r>
-            <a:r>
-              <a:rPr lang="en-US" sz="3600" b="1" dirty="0">
-                <a:solidFill>
-                  <a:schemeClr val="accent6">
-                    <a:lumMod val="75000"/>
-                  </a:schemeClr>
-                </a:solidFill>
-              </a:rPr>
-              <a:t>#C.2 </a:t>
-            </a:r>
-            <a:r>
-              <a:rPr lang="en-US" sz="3600" b="1" dirty="0"/>
-              <a:t>|  </a:t>
-            </a:r>
-            <a:r>
-              <a:rPr lang="ru-RU" sz="3600" b="1" dirty="0"/>
-              <a:t>«Проверка номера карты»</a:t>
-            </a:r>
-            <a:endParaRPr lang="uk-UA" sz="3600" b="1" dirty="0"/>
-          </a:p>
-        </p:txBody>
-      </p:sp>
-      <p:pic>
-        <p:nvPicPr>
-          <p:cNvPr id="2" name="Picture 2" descr="Ð ÐµÐ·ÑÐ»ÑÑÐ°Ñ Ð¿Ð¾ÑÑÐºÑ Ð·Ð¾Ð±ÑÐ°Ð¶ÐµÐ½Ñ Ð·Ð° Ð·Ð°Ð¿Ð¸ÑÐ¾Ð¼ &quot;visa card&quot;"/>
-          <p:cNvPicPr>
-            <a:picLocks noChangeAspect="1" noChangeArrowheads="1"/>
-          </p:cNvPicPr>
-          <p:nvPr/>
-        </p:nvPicPr>
-        <p:blipFill rotWithShape="1">
-          <a:blip r:embed="rId3">
-            <a:extLst>
-              <a:ext uri="{28A0092B-C50C-407E-A947-70E740481C1C}">
-                <a14:useLocalDpi xmlns:a14="http://schemas.microsoft.com/office/drawing/2010/main" val="0"/>
-              </a:ext>
-            </a:extLst>
-          </a:blip>
-          <a:srcRect r="9844"/>
-          <a:stretch/>
-        </p:blipFill>
-        <p:spPr bwMode="auto">
-          <a:xfrm>
-            <a:off x="601878" y="3717032"/>
-            <a:ext cx="2999635" cy="1871527"/>
-          </a:xfrm>
-          <a:prstGeom prst="rect">
-            <a:avLst/>
-          </a:prstGeom>
-          <a:noFill/>
-          <a:extLst>
-            <a:ext uri="{909E8E84-426E-40DD-AFC4-6F175D3DCCD1}">
-              <a14:hiddenFill xmlns:a14="http://schemas.microsoft.com/office/drawing/2010/main">
-                <a:solidFill>
-                  <a:srgbClr val="FFFFFF"/>
-                </a:solidFill>
-              </a14:hiddenFill>
-            </a:ext>
-          </a:extLst>
-        </p:spPr>
-      </p:pic>
-    </p:spTree>
-    <p:extLst>
-      <p:ext uri="{BB962C8B-B14F-4D97-AF65-F5344CB8AC3E}">
-        <p14:creationId xmlns:p14="http://schemas.microsoft.com/office/powerpoint/2010/main" val="1809769971"/>
-      </p:ext>
-    </p:extLst>
   </p:cSld>
   <p:clrMapOvr>
     <a:masterClrMapping/>
